--- a/how_bitcoin_works/How_04_blockchain_applications.pptx
+++ b/how_bitcoin_works/How_04_blockchain_applications.pptx
@@ -8,10 +8,10 @@
     <p:notesMasterId r:id="rId7"/>
   </p:notesMasterIdLst>
   <p:sldIdLst>
-    <p:sldId id="304" r:id="rId2"/>
-    <p:sldId id="310" r:id="rId3"/>
-    <p:sldId id="311" r:id="rId4"/>
-    <p:sldId id="312" r:id="rId5"/>
+    <p:sldId id="314" r:id="rId2"/>
+    <p:sldId id="316" r:id="rId3"/>
+    <p:sldId id="315" r:id="rId4"/>
+    <p:sldId id="317" r:id="rId5"/>
     <p:sldId id="313" r:id="rId6"/>
   </p:sldIdLst>
   <p:sldSz cx="12192000" cy="6858000"/>
@@ -116,10 +116,10 @@
       <p14:sectionLst xmlns:p14="http://schemas.microsoft.com/office/powerpoint/2010/main">
         <p14:section name="10. Application" id="{43B83FF8-DD14-498E-BDF5-1F2490A02A85}">
           <p14:sldIdLst>
-            <p14:sldId id="304"/>
-            <p14:sldId id="310"/>
-            <p14:sldId id="311"/>
-            <p14:sldId id="312"/>
+            <p14:sldId id="314"/>
+            <p14:sldId id="316"/>
+            <p14:sldId id="315"/>
+            <p14:sldId id="317"/>
             <p14:sldId id="313"/>
           </p14:sldIdLst>
         </p14:section>
@@ -218,7 +218,7 @@
           <a:p>
             <a:fld id="{997B8459-DB34-44B7-8088-D81CF29DBC4F}" type="datetimeFigureOut">
               <a:rPr lang="en-US" smtClean="0"/>
-              <a:t>6/5/2017</a:t>
+              <a:t>6/7/2017</a:t>
             </a:fld>
             <a:endParaRPr lang="en-US"/>
           </a:p>
@@ -529,6 +529,161 @@
           <a:bodyPr/>
           <a:lstStyle/>
           <a:p>
+            <a:pPr marL="0" marR="0" lvl="0" indent="0" algn="l" defTabSz="914400" rtl="0" eaLnBrk="1" fontAlgn="auto" latinLnBrk="0" hangingPunct="1">
+              <a:lnSpc>
+                <a:spcPct val="100000"/>
+              </a:lnSpc>
+              <a:spcBef>
+                <a:spcPts val="0"/>
+              </a:spcBef>
+              <a:spcAft>
+                <a:spcPts val="0"/>
+              </a:spcAft>
+              <a:buClrTx/>
+              <a:buSzTx/>
+              <a:buFontTx/>
+              <a:buNone/>
+              <a:tabLst/>
+              <a:defRPr/>
+            </a:pPr>
+            <a:r>
+              <a:rPr lang="zh-CN" altLang="en-US" sz="1200" b="1" i="0" kern="1200" dirty="0">
+                <a:solidFill>
+                  <a:schemeClr val="tx1"/>
+                </a:solidFill>
+                <a:effectLst/>
+                <a:latin typeface="+mn-lt"/>
+                <a:ea typeface="+mn-ea"/>
+                <a:cs typeface="+mn-cs"/>
+              </a:rPr>
+              <a:t>猪肉也用区块链技术： </a:t>
+            </a:r>
+            <a:r>
+              <a:rPr lang="en-US" altLang="zh-CN" sz="1200" b="1" i="0" kern="1200" dirty="0">
+                <a:solidFill>
+                  <a:schemeClr val="tx1"/>
+                </a:solidFill>
+                <a:effectLst/>
+                <a:latin typeface="+mn-lt"/>
+                <a:ea typeface="+mn-ea"/>
+                <a:cs typeface="+mn-cs"/>
+              </a:rPr>
+              <a:t>http://www.sohu.com/a/121532565_236263</a:t>
+            </a:r>
+          </a:p>
+          <a:p>
+            <a:pPr marL="0" marR="0" lvl="0" indent="0" algn="l" defTabSz="914400" rtl="0" eaLnBrk="1" fontAlgn="auto" latinLnBrk="0" hangingPunct="1">
+              <a:lnSpc>
+                <a:spcPct val="100000"/>
+              </a:lnSpc>
+              <a:spcBef>
+                <a:spcPts val="0"/>
+              </a:spcBef>
+              <a:spcAft>
+                <a:spcPts val="0"/>
+              </a:spcAft>
+              <a:buClrTx/>
+              <a:buSzTx/>
+              <a:buFontTx/>
+              <a:buNone/>
+              <a:tabLst/>
+              <a:defRPr/>
+            </a:pPr>
+            <a:endParaRPr lang="zh-CN" altLang="en-US" sz="1200" b="1" i="0" kern="1200" dirty="0">
+              <a:solidFill>
+                <a:schemeClr val="tx1"/>
+              </a:solidFill>
+              <a:effectLst/>
+              <a:latin typeface="+mn-lt"/>
+              <a:ea typeface="+mn-ea"/>
+              <a:cs typeface="+mn-cs"/>
+            </a:endParaRPr>
+          </a:p>
+          <a:p>
+            <a:endParaRPr lang="en-US" dirty="0"/>
+          </a:p>
+        </p:txBody>
+      </p:sp>
+      <p:sp>
+        <p:nvSpPr>
+          <p:cNvPr id="4" name="Slide Number Placeholder 3"/>
+          <p:cNvSpPr>
+            <a:spLocks noGrp="1"/>
+          </p:cNvSpPr>
+          <p:nvPr>
+            <p:ph type="sldNum" sz="quarter" idx="10"/>
+          </p:nvPr>
+        </p:nvSpPr>
+        <p:spPr/>
+        <p:txBody>
+          <a:bodyPr/>
+          <a:lstStyle/>
+          <a:p>
+            <a:fld id="{AC8FCCB6-2381-4F22-909F-1230355D86F9}" type="slidenum">
+              <a:rPr lang="en-US" smtClean="0"/>
+              <a:t>1</a:t>
+            </a:fld>
+            <a:endParaRPr lang="en-US"/>
+          </a:p>
+        </p:txBody>
+      </p:sp>
+    </p:spTree>
+    <p:extLst>
+      <p:ext uri="{BB962C8B-B14F-4D97-AF65-F5344CB8AC3E}">
+        <p14:creationId xmlns:p14="http://schemas.microsoft.com/office/powerpoint/2010/main" val="3113880968"/>
+      </p:ext>
+    </p:extLst>
+  </p:cSld>
+  <p:clrMapOvr>
+    <a:masterClrMapping/>
+  </p:clrMapOvr>
+</p:notes>
+</file>
+
+<file path=ppt/notesSlides/notesSlide2.xml><?xml version="1.0" encoding="utf-8"?>
+<p:notes xmlns:a="http://schemas.openxmlformats.org/drawingml/2006/main" xmlns:r="http://schemas.openxmlformats.org/officeDocument/2006/relationships" xmlns:p="http://schemas.openxmlformats.org/presentationml/2006/main">
+  <p:cSld>
+    <p:spTree>
+      <p:nvGrpSpPr>
+        <p:cNvPr id="1" name=""/>
+        <p:cNvGrpSpPr/>
+        <p:nvPr/>
+      </p:nvGrpSpPr>
+      <p:grpSpPr>
+        <a:xfrm>
+          <a:off x="0" y="0"/>
+          <a:ext cx="0" cy="0"/>
+          <a:chOff x="0" y="0"/>
+          <a:chExt cx="0" cy="0"/>
+        </a:xfrm>
+      </p:grpSpPr>
+      <p:sp>
+        <p:nvSpPr>
+          <p:cNvPr id="2" name="Slide Image Placeholder 1"/>
+          <p:cNvSpPr>
+            <a:spLocks noGrp="1" noRot="1" noChangeAspect="1"/>
+          </p:cNvSpPr>
+          <p:nvPr>
+            <p:ph type="sldImg"/>
+          </p:nvPr>
+        </p:nvSpPr>
+        <p:spPr/>
+      </p:sp>
+      <p:sp>
+        <p:nvSpPr>
+          <p:cNvPr id="3" name="Notes Placeholder 2"/>
+          <p:cNvSpPr>
+            <a:spLocks noGrp="1"/>
+          </p:cNvSpPr>
+          <p:nvPr>
+            <p:ph type="body" idx="1"/>
+          </p:nvPr>
+        </p:nvSpPr>
+        <p:spPr/>
+        <p:txBody>
+          <a:bodyPr/>
+          <a:lstStyle/>
+          <a:p>
             <a:r>
               <a:rPr lang="en-US" dirty="0"/>
               <a:t>Blockchain can transparently track the provenance of goods as they are passed from one organization to the next, building awareness and trust.</a:t>
@@ -777,7 +932,7 @@
           <a:p>
             <a:fld id="{1A0CC6C9-F88A-4A1A-8FB0-07A130189CC8}" type="datetime1">
               <a:rPr lang="en-US" smtClean="0"/>
-              <a:t>6/5/2017</a:t>
+              <a:t>6/7/2017</a:t>
             </a:fld>
             <a:endParaRPr lang="en-US"/>
           </a:p>
@@ -945,7 +1100,7 @@
           <a:p>
             <a:fld id="{662CE6F3-128A-4A7E-948E-31AC50BA5F60}" type="datetime1">
               <a:rPr lang="en-US" smtClean="0"/>
-              <a:t>6/5/2017</a:t>
+              <a:t>6/7/2017</a:t>
             </a:fld>
             <a:endParaRPr lang="en-US"/>
           </a:p>
@@ -1123,7 +1278,7 @@
           <a:p>
             <a:fld id="{D8EF803D-58A6-4B2B-AD8D-C3D6CC66E6EB}" type="datetime1">
               <a:rPr lang="en-US" smtClean="0"/>
-              <a:t>6/5/2017</a:t>
+              <a:t>6/7/2017</a:t>
             </a:fld>
             <a:endParaRPr lang="en-US"/>
           </a:p>
@@ -1309,7 +1464,7 @@
           <a:p>
             <a:fld id="{519BD8FA-81DB-4BAD-B3C3-CA109C80A853}" type="datetime1">
               <a:rPr lang="en-US" smtClean="0"/>
-              <a:t>6/5/2017</a:t>
+              <a:t>6/7/2017</a:t>
             </a:fld>
             <a:endParaRPr lang="en-US"/>
           </a:p>
@@ -1554,7 +1709,7 @@
           <a:p>
             <a:fld id="{3F6C7022-96DB-48F2-B3FB-BE06C53B7BA1}" type="datetime1">
               <a:rPr lang="en-US" smtClean="0"/>
-              <a:t>6/5/2017</a:t>
+              <a:t>6/7/2017</a:t>
             </a:fld>
             <a:endParaRPr lang="en-US"/>
           </a:p>
@@ -1796,7 +1951,7 @@
           <a:p>
             <a:fld id="{CD2E27BA-B0B3-403B-BCD6-8B8E73844757}" type="datetime1">
               <a:rPr lang="en-US" smtClean="0"/>
-              <a:t>6/5/2017</a:t>
+              <a:t>6/7/2017</a:t>
             </a:fld>
             <a:endParaRPr lang="en-US"/>
           </a:p>
@@ -2160,7 +2315,7 @@
           <a:p>
             <a:fld id="{AB2F35F9-5498-4A6F-8B26-24AF253CCFB1}" type="datetime1">
               <a:rPr lang="en-US" smtClean="0"/>
-              <a:t>6/5/2017</a:t>
+              <a:t>6/7/2017</a:t>
             </a:fld>
             <a:endParaRPr lang="en-US"/>
           </a:p>
@@ -2277,7 +2432,7 @@
           <a:p>
             <a:fld id="{7CF3DE6C-3CCC-462F-8C19-C9BE5AF82050}" type="datetime1">
               <a:rPr lang="en-US" smtClean="0"/>
-              <a:t>6/5/2017</a:t>
+              <a:t>6/7/2017</a:t>
             </a:fld>
             <a:endParaRPr lang="en-US"/>
           </a:p>
@@ -2372,7 +2527,7 @@
           <a:p>
             <a:fld id="{CFF9B72E-B071-4894-9AE8-77A99437A194}" type="datetime1">
               <a:rPr lang="en-US" smtClean="0"/>
-              <a:t>6/5/2017</a:t>
+              <a:t>6/7/2017</a:t>
             </a:fld>
             <a:endParaRPr lang="en-US"/>
           </a:p>
@@ -2647,7 +2802,7 @@
           <a:p>
             <a:fld id="{C8FC85DF-04F6-4067-9D57-5BD634B76237}" type="datetime1">
               <a:rPr lang="en-US" smtClean="0"/>
-              <a:t>6/5/2017</a:t>
+              <a:t>6/7/2017</a:t>
             </a:fld>
             <a:endParaRPr lang="en-US"/>
           </a:p>
@@ -2899,7 +3054,7 @@
           <a:p>
             <a:fld id="{F482CF38-5737-4019-A5EB-32F20C60B120}" type="datetime1">
               <a:rPr lang="en-US" smtClean="0"/>
-              <a:t>6/5/2017</a:t>
+              <a:t>6/7/2017</a:t>
             </a:fld>
             <a:endParaRPr lang="en-US"/>
           </a:p>
@@ -3110,7 +3265,7 @@
           <a:p>
             <a:fld id="{71B3BB5B-EB4F-4885-9330-962C885E153D}" type="datetime1">
               <a:rPr lang="en-US" smtClean="0"/>
-              <a:t>6/5/2017</a:t>
+              <a:t>6/7/2017</a:t>
             </a:fld>
             <a:endParaRPr lang="en-US"/>
           </a:p>
@@ -3518,7 +3673,13 @@
       </p:grpSpPr>
       <p:sp>
         <p:nvSpPr>
-          <p:cNvPr id="2" name="Title 1"/>
+          <p:cNvPr id="2" name="Title 1">
+            <a:extLst>
+              <a:ext uri="{FF2B5EF4-FFF2-40B4-BE49-F238E27FC236}">
+                <a16:creationId xmlns:a16="http://schemas.microsoft.com/office/drawing/2014/main" id="{81CE53EF-B7C1-4EEA-824A-42A2CEEAFE6A}"/>
+              </a:ext>
+            </a:extLst>
+          </p:cNvPr>
           <p:cNvSpPr>
             <a:spLocks noGrp="1"/>
           </p:cNvSpPr>
@@ -3533,126 +3694,135 @@
           </a:bodyPr>
           <a:lstStyle/>
           <a:p>
-            <a:pPr algn="r"/>
-            <a:r>
-              <a:rPr lang="en-US" dirty="0"/>
-              <a:t>Chain Applications</a:t>
-            </a:r>
-          </a:p>
-        </p:txBody>
-      </p:sp>
-      <p:sp>
-        <p:nvSpPr>
-          <p:cNvPr id="3" name="Content Placeholder 2"/>
-          <p:cNvSpPr>
-            <a:spLocks noGrp="1"/>
-          </p:cNvSpPr>
-          <p:nvPr>
-            <p:ph sz="half" idx="1"/>
+            <a:r>
+              <a:rPr lang="zh-CN" altLang="en-US" dirty="0"/>
+              <a:t>区块链应用</a:t>
+            </a:r>
+            <a:endParaRPr lang="en-US" dirty="0"/>
+          </a:p>
+        </p:txBody>
+      </p:sp>
+      <p:sp>
+        <p:nvSpPr>
+          <p:cNvPr id="4" name="Content Placeholder 3">
+            <a:extLst>
+              <a:ext uri="{FF2B5EF4-FFF2-40B4-BE49-F238E27FC236}">
+                <a16:creationId xmlns:a16="http://schemas.microsoft.com/office/drawing/2014/main" id="{76CD71B6-F5B1-4CBE-82D0-8E447F57BD87}"/>
+              </a:ext>
+            </a:extLst>
+          </p:cNvPr>
+          <p:cNvSpPr>
+            <a:spLocks noGrp="1"/>
+          </p:cNvSpPr>
+          <p:nvPr>
+            <p:ph sz="half" idx="2"/>
           </p:nvPr>
         </p:nvSpPr>
         <p:spPr>
           <a:xfrm>
-            <a:off x="6130160" y="1110147"/>
-            <a:ext cx="5725338" cy="4798539"/>
+            <a:off x="6715692" y="1120877"/>
+            <a:ext cx="5250165" cy="5056086"/>
           </a:xfrm>
         </p:spPr>
         <p:txBody>
           <a:bodyPr/>
           <a:lstStyle/>
           <a:p>
-            <a:pPr>
-              <a:spcBef>
-                <a:spcPct val="50000"/>
-              </a:spcBef>
-              <a:buFontTx/>
-              <a:buChar char="•"/>
+            <a:pPr marL="0" indent="0">
+              <a:buNone/>
             </a:pPr>
             <a:r>
-              <a:rPr lang="en-US" altLang="en-US" dirty="0">
-                <a:cs typeface="Arial" panose="020B0604020202020204" pitchFamily="34" charset="0"/>
+              <a:rPr lang="zh-CN" altLang="en-US" b="1" dirty="0">
+                <a:solidFill>
+                  <a:srgbClr val="C00000"/>
+                </a:solidFill>
               </a:rPr>
-              <a:t>Permanent and transparent records of transactions</a:t>
-            </a:r>
-          </a:p>
-          <a:p>
-            <a:pPr lvl="1">
-              <a:spcBef>
-                <a:spcPct val="50000"/>
-              </a:spcBef>
-              <a:buFontTx/>
-              <a:buChar char="•"/>
-            </a:pPr>
-            <a:r>
-              <a:rPr lang="en-US" altLang="en-US" dirty="0">
-                <a:cs typeface="Arial" panose="020B0604020202020204" pitchFamily="34" charset="0"/>
-              </a:rPr>
-              <a:t> Distributed, encrypted, trusted ledgers</a:t>
-            </a:r>
-          </a:p>
-          <a:p>
-            <a:pPr lvl="1">
-              <a:spcBef>
-                <a:spcPct val="50000"/>
-              </a:spcBef>
-              <a:buFontTx/>
-              <a:buChar char="•"/>
-            </a:pPr>
-            <a:r>
-              <a:rPr lang="en-US" altLang="en-US" dirty="0">
-                <a:cs typeface="Arial" panose="020B0604020202020204" pitchFamily="34" charset="0"/>
-              </a:rPr>
-              <a:t> Secure, indelible, consensus based, auditable</a:t>
-            </a:r>
-          </a:p>
-          <a:p>
-            <a:pPr lvl="1">
-              <a:spcBef>
-                <a:spcPct val="50000"/>
-              </a:spcBef>
-              <a:buFontTx/>
-              <a:buChar char="•"/>
-            </a:pPr>
-            <a:r>
-              <a:rPr lang="en-US" altLang="en-US" dirty="0">
-                <a:cs typeface="Arial" panose="020B0604020202020204" pitchFamily="34" charset="0"/>
-              </a:rPr>
-              <a:t> Permissioned or </a:t>
-            </a:r>
-            <a:r>
-              <a:rPr lang="en-US" altLang="en-US" dirty="0" err="1">
-                <a:cs typeface="Arial" panose="020B0604020202020204" pitchFamily="34" charset="0"/>
-              </a:rPr>
-              <a:t>permissionless</a:t>
-            </a:r>
-            <a:r>
-              <a:rPr lang="en-US" altLang="en-US" dirty="0">
-                <a:cs typeface="Arial" panose="020B0604020202020204" pitchFamily="34" charset="0"/>
-              </a:rPr>
-              <a:t>, replicated</a:t>
-            </a:r>
-          </a:p>
-          <a:p>
-            <a:pPr>
-              <a:spcBef>
-                <a:spcPct val="50000"/>
-              </a:spcBef>
-              <a:buFontTx/>
-              <a:buChar char="•"/>
-            </a:pPr>
-            <a:r>
-              <a:rPr lang="en-US" altLang="en-US" dirty="0">
-                <a:cs typeface="Arial" panose="020B0604020202020204" pitchFamily="34" charset="0"/>
-              </a:rPr>
-              <a:t> Potential of eliminating intermediaries</a:t>
+              <a:t>物联网应用</a:t>
+            </a:r>
+            <a:endParaRPr lang="en-US" altLang="zh-CN" b="1" dirty="0">
+              <a:solidFill>
+                <a:srgbClr val="C00000"/>
+              </a:solidFill>
+            </a:endParaRPr>
+          </a:p>
+          <a:p>
+            <a:r>
+              <a:rPr lang="zh-CN" altLang="en-US" dirty="0"/>
+              <a:t>食品安全</a:t>
+            </a:r>
+            <a:r>
+              <a:rPr lang="en-US" altLang="zh-CN" dirty="0"/>
+              <a:t>: </a:t>
+            </a:r>
+            <a:r>
+              <a:rPr lang="zh-CN" altLang="en-US" dirty="0"/>
+              <a:t>沃尔玛猪肉安全</a:t>
+            </a:r>
+            <a:endParaRPr lang="en-US" altLang="zh-CN" dirty="0"/>
+          </a:p>
+          <a:p>
+            <a:r>
+              <a:rPr lang="zh-CN" altLang="en-US" dirty="0"/>
+              <a:t>基于区块链的智慧消防</a:t>
+            </a:r>
+            <a:endParaRPr lang="en-US" altLang="zh-CN" dirty="0"/>
+          </a:p>
+          <a:p>
+            <a:pPr lvl="1"/>
+            <a:r>
+              <a:rPr lang="zh-CN" altLang="en-US" dirty="0"/>
+              <a:t>消防设备出厂</a:t>
+            </a:r>
+            <a:endParaRPr lang="en-US" altLang="zh-CN" dirty="0"/>
+          </a:p>
+          <a:p>
+            <a:pPr lvl="1"/>
+            <a:r>
+              <a:rPr lang="zh-CN" altLang="en-US" dirty="0"/>
+              <a:t>上报消防数据</a:t>
+            </a:r>
+            <a:endParaRPr lang="en-US" altLang="zh-CN" dirty="0"/>
+          </a:p>
+          <a:p>
+            <a:pPr lvl="1"/>
+            <a:r>
+              <a:rPr lang="zh-CN" altLang="en-US" dirty="0"/>
+              <a:t>火警设备数据</a:t>
+            </a:r>
+            <a:endParaRPr lang="en-US" altLang="zh-CN" dirty="0"/>
+          </a:p>
+          <a:p>
+            <a:pPr lvl="1"/>
+            <a:r>
+              <a:rPr lang="zh-CN" altLang="en-US" dirty="0"/>
+              <a:t>出警设备数据</a:t>
+            </a:r>
+            <a:endParaRPr lang="en-US" altLang="zh-CN" dirty="0"/>
+          </a:p>
+          <a:p>
+            <a:r>
+              <a:rPr lang="zh-CN" altLang="en-US" dirty="0"/>
+              <a:t>去中心化租房</a:t>
             </a:r>
             <a:endParaRPr lang="en-US" dirty="0"/>
           </a:p>
-        </p:txBody>
-      </p:sp>
-      <p:sp>
-        <p:nvSpPr>
-          <p:cNvPr id="5" name="Slide Number Placeholder 4"/>
+          <a:p>
+            <a:r>
+              <a:rPr lang="en-US" dirty="0"/>
+              <a:t>…</a:t>
+            </a:r>
+          </a:p>
+        </p:txBody>
+      </p:sp>
+      <p:sp>
+        <p:nvSpPr>
+          <p:cNvPr id="5" name="Slide Number Placeholder 4">
+            <a:extLst>
+              <a:ext uri="{FF2B5EF4-FFF2-40B4-BE49-F238E27FC236}">
+                <a16:creationId xmlns:a16="http://schemas.microsoft.com/office/drawing/2014/main" id="{37804647-D857-48DD-A2B2-773EB71EAB58}"/>
+              </a:ext>
+            </a:extLst>
+          </p:cNvPr>
           <p:cNvSpPr>
             <a:spLocks noGrp="1"/>
           </p:cNvSpPr>
@@ -3675,31 +3845,13 @@
       </p:sp>
       <p:pic>
         <p:nvPicPr>
-          <p:cNvPr id="13" name="Picture 12"/>
-          <p:cNvPicPr>
-            <a:picLocks noChangeAspect="1"/>
-          </p:cNvPicPr>
-          <p:nvPr/>
-        </p:nvPicPr>
-        <p:blipFill>
-          <a:blip r:embed="rId2"/>
-          <a:stretch>
-            <a:fillRect/>
-          </a:stretch>
-        </p:blipFill>
-        <p:spPr>
-          <a:xfrm>
-            <a:off x="168098" y="410506"/>
-            <a:ext cx="5661488" cy="2803341"/>
-          </a:xfrm>
-          <a:prstGeom prst="rect">
-            <a:avLst/>
-          </a:prstGeom>
-        </p:spPr>
-      </p:pic>
-      <p:pic>
-        <p:nvPicPr>
-          <p:cNvPr id="14" name="Picture 13"/>
+          <p:cNvPr id="6" name="Picture 5">
+            <a:extLst>
+              <a:ext uri="{FF2B5EF4-FFF2-40B4-BE49-F238E27FC236}">
+                <a16:creationId xmlns:a16="http://schemas.microsoft.com/office/drawing/2014/main" id="{DC6AF8DC-F12D-48DF-8FAE-C0D0F146490F}"/>
+              </a:ext>
+            </a:extLst>
+          </p:cNvPr>
           <p:cNvPicPr>
             <a:picLocks noChangeAspect="1"/>
           </p:cNvPicPr>
@@ -3713,8 +3865,8 @@
         </p:blipFill>
         <p:spPr>
           <a:xfrm>
-            <a:off x="168098" y="3730919"/>
-            <a:ext cx="5717734" cy="2831245"/>
+            <a:off x="357982" y="1290435"/>
+            <a:ext cx="5590802" cy="3814460"/>
           </a:xfrm>
           <a:prstGeom prst="rect">
             <a:avLst/>
@@ -3724,13 +3876,460 @@
     </p:spTree>
     <p:extLst>
       <p:ext uri="{BB962C8B-B14F-4D97-AF65-F5344CB8AC3E}">
-        <p14:creationId xmlns:p14="http://schemas.microsoft.com/office/powerpoint/2010/main" val="3097290036"/>
+        <p14:creationId xmlns:p14="http://schemas.microsoft.com/office/powerpoint/2010/main" val="3914988051"/>
       </p:ext>
     </p:extLst>
   </p:cSld>
   <p:clrMapOvr>
     <a:masterClrMapping/>
   </p:clrMapOvr>
+  <p:timing>
+    <p:tnLst>
+      <p:par>
+        <p:cTn id="1" dur="indefinite" restart="never" nodeType="tmRoot">
+          <p:childTnLst>
+            <p:seq concurrent="1" nextAc="seek">
+              <p:cTn id="2" dur="indefinite" nodeType="mainSeq">
+                <p:childTnLst>
+                  <p:par>
+                    <p:cTn id="3" fill="hold">
+                      <p:stCondLst>
+                        <p:cond delay="indefinite"/>
+                      </p:stCondLst>
+                      <p:childTnLst>
+                        <p:par>
+                          <p:cTn id="4" fill="hold">
+                            <p:stCondLst>
+                              <p:cond delay="0"/>
+                            </p:stCondLst>
+                            <p:childTnLst>
+                              <p:par>
+                                <p:cTn id="5" presetID="1" presetClass="entr" presetSubtype="0" fill="hold" nodeType="clickEffect">
+                                  <p:stCondLst>
+                                    <p:cond delay="0"/>
+                                  </p:stCondLst>
+                                  <p:childTnLst>
+                                    <p:set>
+                                      <p:cBhvr>
+                                        <p:cTn id="6" dur="1" fill="hold">
+                                          <p:stCondLst>
+                                            <p:cond delay="0"/>
+                                          </p:stCondLst>
+                                        </p:cTn>
+                                        <p:tgtEl>
+                                          <p:spTgt spid="6"/>
+                                        </p:tgtEl>
+                                        <p:attrNameLst>
+                                          <p:attrName>style.visibility</p:attrName>
+                                        </p:attrNameLst>
+                                      </p:cBhvr>
+                                      <p:to>
+                                        <p:strVal val="visible"/>
+                                      </p:to>
+                                    </p:set>
+                                  </p:childTnLst>
+                                </p:cTn>
+                              </p:par>
+                            </p:childTnLst>
+                          </p:cTn>
+                        </p:par>
+                      </p:childTnLst>
+                    </p:cTn>
+                  </p:par>
+                  <p:par>
+                    <p:cTn id="7" fill="hold">
+                      <p:stCondLst>
+                        <p:cond delay="indefinite"/>
+                      </p:stCondLst>
+                      <p:childTnLst>
+                        <p:par>
+                          <p:cTn id="8" fill="hold">
+                            <p:stCondLst>
+                              <p:cond delay="0"/>
+                            </p:stCondLst>
+                            <p:childTnLst>
+                              <p:par>
+                                <p:cTn id="9" presetID="1" presetClass="entr" presetSubtype="0" fill="hold" grpId="0" nodeType="clickEffect">
+                                  <p:stCondLst>
+                                    <p:cond delay="0"/>
+                                  </p:stCondLst>
+                                  <p:childTnLst>
+                                    <p:set>
+                                      <p:cBhvr>
+                                        <p:cTn id="10" dur="1" fill="hold">
+                                          <p:stCondLst>
+                                            <p:cond delay="0"/>
+                                          </p:stCondLst>
+                                        </p:cTn>
+                                        <p:tgtEl>
+                                          <p:spTgt spid="4">
+                                            <p:txEl>
+                                              <p:pRg st="0" end="0"/>
+                                            </p:txEl>
+                                          </p:spTgt>
+                                        </p:tgtEl>
+                                        <p:attrNameLst>
+                                          <p:attrName>style.visibility</p:attrName>
+                                        </p:attrNameLst>
+                                      </p:cBhvr>
+                                      <p:to>
+                                        <p:strVal val="visible"/>
+                                      </p:to>
+                                    </p:set>
+                                  </p:childTnLst>
+                                </p:cTn>
+                              </p:par>
+                            </p:childTnLst>
+                          </p:cTn>
+                        </p:par>
+                      </p:childTnLst>
+                    </p:cTn>
+                  </p:par>
+                  <p:par>
+                    <p:cTn id="11" fill="hold">
+                      <p:stCondLst>
+                        <p:cond delay="indefinite"/>
+                      </p:stCondLst>
+                      <p:childTnLst>
+                        <p:par>
+                          <p:cTn id="12" fill="hold">
+                            <p:stCondLst>
+                              <p:cond delay="0"/>
+                            </p:stCondLst>
+                            <p:childTnLst>
+                              <p:par>
+                                <p:cTn id="13" presetID="1" presetClass="entr" presetSubtype="0" fill="hold" grpId="0" nodeType="clickEffect">
+                                  <p:stCondLst>
+                                    <p:cond delay="0"/>
+                                  </p:stCondLst>
+                                  <p:childTnLst>
+                                    <p:set>
+                                      <p:cBhvr>
+                                        <p:cTn id="14" dur="1" fill="hold">
+                                          <p:stCondLst>
+                                            <p:cond delay="0"/>
+                                          </p:stCondLst>
+                                        </p:cTn>
+                                        <p:tgtEl>
+                                          <p:spTgt spid="4">
+                                            <p:txEl>
+                                              <p:pRg st="1" end="1"/>
+                                            </p:txEl>
+                                          </p:spTgt>
+                                        </p:tgtEl>
+                                        <p:attrNameLst>
+                                          <p:attrName>style.visibility</p:attrName>
+                                        </p:attrNameLst>
+                                      </p:cBhvr>
+                                      <p:to>
+                                        <p:strVal val="visible"/>
+                                      </p:to>
+                                    </p:set>
+                                  </p:childTnLst>
+                                </p:cTn>
+                              </p:par>
+                            </p:childTnLst>
+                          </p:cTn>
+                        </p:par>
+                      </p:childTnLst>
+                    </p:cTn>
+                  </p:par>
+                  <p:par>
+                    <p:cTn id="15" fill="hold">
+                      <p:stCondLst>
+                        <p:cond delay="indefinite"/>
+                      </p:stCondLst>
+                      <p:childTnLst>
+                        <p:par>
+                          <p:cTn id="16" fill="hold">
+                            <p:stCondLst>
+                              <p:cond delay="0"/>
+                            </p:stCondLst>
+                            <p:childTnLst>
+                              <p:par>
+                                <p:cTn id="17" presetID="1" presetClass="entr" presetSubtype="0" fill="hold" grpId="0" nodeType="clickEffect">
+                                  <p:stCondLst>
+                                    <p:cond delay="0"/>
+                                  </p:stCondLst>
+                                  <p:childTnLst>
+                                    <p:set>
+                                      <p:cBhvr>
+                                        <p:cTn id="18" dur="1" fill="hold">
+                                          <p:stCondLst>
+                                            <p:cond delay="0"/>
+                                          </p:stCondLst>
+                                        </p:cTn>
+                                        <p:tgtEl>
+                                          <p:spTgt spid="4">
+                                            <p:txEl>
+                                              <p:pRg st="2" end="2"/>
+                                            </p:txEl>
+                                          </p:spTgt>
+                                        </p:tgtEl>
+                                        <p:attrNameLst>
+                                          <p:attrName>style.visibility</p:attrName>
+                                        </p:attrNameLst>
+                                      </p:cBhvr>
+                                      <p:to>
+                                        <p:strVal val="visible"/>
+                                      </p:to>
+                                    </p:set>
+                                  </p:childTnLst>
+                                </p:cTn>
+                              </p:par>
+                              <p:par>
+                                <p:cTn id="19" presetID="1" presetClass="entr" presetSubtype="0" fill="hold" grpId="0" nodeType="withEffect">
+                                  <p:stCondLst>
+                                    <p:cond delay="0"/>
+                                  </p:stCondLst>
+                                  <p:childTnLst>
+                                    <p:set>
+                                      <p:cBhvr>
+                                        <p:cTn id="20" dur="1" fill="hold">
+                                          <p:stCondLst>
+                                            <p:cond delay="0"/>
+                                          </p:stCondLst>
+                                        </p:cTn>
+                                        <p:tgtEl>
+                                          <p:spTgt spid="4">
+                                            <p:txEl>
+                                              <p:pRg st="3" end="3"/>
+                                            </p:txEl>
+                                          </p:spTgt>
+                                        </p:tgtEl>
+                                        <p:attrNameLst>
+                                          <p:attrName>style.visibility</p:attrName>
+                                        </p:attrNameLst>
+                                      </p:cBhvr>
+                                      <p:to>
+                                        <p:strVal val="visible"/>
+                                      </p:to>
+                                    </p:set>
+                                  </p:childTnLst>
+                                </p:cTn>
+                              </p:par>
+                              <p:par>
+                                <p:cTn id="21" presetID="1" presetClass="entr" presetSubtype="0" fill="hold" grpId="0" nodeType="withEffect">
+                                  <p:stCondLst>
+                                    <p:cond delay="0"/>
+                                  </p:stCondLst>
+                                  <p:childTnLst>
+                                    <p:set>
+                                      <p:cBhvr>
+                                        <p:cTn id="22" dur="1" fill="hold">
+                                          <p:stCondLst>
+                                            <p:cond delay="0"/>
+                                          </p:stCondLst>
+                                        </p:cTn>
+                                        <p:tgtEl>
+                                          <p:spTgt spid="4">
+                                            <p:txEl>
+                                              <p:pRg st="4" end="4"/>
+                                            </p:txEl>
+                                          </p:spTgt>
+                                        </p:tgtEl>
+                                        <p:attrNameLst>
+                                          <p:attrName>style.visibility</p:attrName>
+                                        </p:attrNameLst>
+                                      </p:cBhvr>
+                                      <p:to>
+                                        <p:strVal val="visible"/>
+                                      </p:to>
+                                    </p:set>
+                                  </p:childTnLst>
+                                </p:cTn>
+                              </p:par>
+                              <p:par>
+                                <p:cTn id="23" presetID="1" presetClass="entr" presetSubtype="0" fill="hold" grpId="0" nodeType="withEffect">
+                                  <p:stCondLst>
+                                    <p:cond delay="0"/>
+                                  </p:stCondLst>
+                                  <p:childTnLst>
+                                    <p:set>
+                                      <p:cBhvr>
+                                        <p:cTn id="24" dur="1" fill="hold">
+                                          <p:stCondLst>
+                                            <p:cond delay="0"/>
+                                          </p:stCondLst>
+                                        </p:cTn>
+                                        <p:tgtEl>
+                                          <p:spTgt spid="4">
+                                            <p:txEl>
+                                              <p:pRg st="5" end="5"/>
+                                            </p:txEl>
+                                          </p:spTgt>
+                                        </p:tgtEl>
+                                        <p:attrNameLst>
+                                          <p:attrName>style.visibility</p:attrName>
+                                        </p:attrNameLst>
+                                      </p:cBhvr>
+                                      <p:to>
+                                        <p:strVal val="visible"/>
+                                      </p:to>
+                                    </p:set>
+                                  </p:childTnLst>
+                                </p:cTn>
+                              </p:par>
+                              <p:par>
+                                <p:cTn id="25" presetID="1" presetClass="entr" presetSubtype="0" fill="hold" grpId="0" nodeType="withEffect">
+                                  <p:stCondLst>
+                                    <p:cond delay="0"/>
+                                  </p:stCondLst>
+                                  <p:childTnLst>
+                                    <p:set>
+                                      <p:cBhvr>
+                                        <p:cTn id="26" dur="1" fill="hold">
+                                          <p:stCondLst>
+                                            <p:cond delay="0"/>
+                                          </p:stCondLst>
+                                        </p:cTn>
+                                        <p:tgtEl>
+                                          <p:spTgt spid="4">
+                                            <p:txEl>
+                                              <p:pRg st="6" end="6"/>
+                                            </p:txEl>
+                                          </p:spTgt>
+                                        </p:tgtEl>
+                                        <p:attrNameLst>
+                                          <p:attrName>style.visibility</p:attrName>
+                                        </p:attrNameLst>
+                                      </p:cBhvr>
+                                      <p:to>
+                                        <p:strVal val="visible"/>
+                                      </p:to>
+                                    </p:set>
+                                  </p:childTnLst>
+                                </p:cTn>
+                              </p:par>
+                            </p:childTnLst>
+                          </p:cTn>
+                        </p:par>
+                      </p:childTnLst>
+                    </p:cTn>
+                  </p:par>
+                  <p:par>
+                    <p:cTn id="27" fill="hold">
+                      <p:stCondLst>
+                        <p:cond delay="indefinite"/>
+                      </p:stCondLst>
+                      <p:childTnLst>
+                        <p:par>
+                          <p:cTn id="28" fill="hold">
+                            <p:stCondLst>
+                              <p:cond delay="0"/>
+                            </p:stCondLst>
+                            <p:childTnLst>
+                              <p:par>
+                                <p:cTn id="29" presetID="1" presetClass="entr" presetSubtype="0" fill="hold" grpId="0" nodeType="clickEffect">
+                                  <p:stCondLst>
+                                    <p:cond delay="0"/>
+                                  </p:stCondLst>
+                                  <p:childTnLst>
+                                    <p:set>
+                                      <p:cBhvr>
+                                        <p:cTn id="30" dur="1" fill="hold">
+                                          <p:stCondLst>
+                                            <p:cond delay="0"/>
+                                          </p:stCondLst>
+                                        </p:cTn>
+                                        <p:tgtEl>
+                                          <p:spTgt spid="4">
+                                            <p:txEl>
+                                              <p:pRg st="7" end="7"/>
+                                            </p:txEl>
+                                          </p:spTgt>
+                                        </p:tgtEl>
+                                        <p:attrNameLst>
+                                          <p:attrName>style.visibility</p:attrName>
+                                        </p:attrNameLst>
+                                      </p:cBhvr>
+                                      <p:to>
+                                        <p:strVal val="visible"/>
+                                      </p:to>
+                                    </p:set>
+                                  </p:childTnLst>
+                                </p:cTn>
+                              </p:par>
+                            </p:childTnLst>
+                          </p:cTn>
+                        </p:par>
+                      </p:childTnLst>
+                    </p:cTn>
+                  </p:par>
+                  <p:par>
+                    <p:cTn id="31" fill="hold">
+                      <p:stCondLst>
+                        <p:cond delay="indefinite"/>
+                      </p:stCondLst>
+                      <p:childTnLst>
+                        <p:par>
+                          <p:cTn id="32" fill="hold">
+                            <p:stCondLst>
+                              <p:cond delay="0"/>
+                            </p:stCondLst>
+                            <p:childTnLst>
+                              <p:par>
+                                <p:cTn id="33" presetID="1" presetClass="entr" presetSubtype="0" fill="hold" grpId="0" nodeType="clickEffect">
+                                  <p:stCondLst>
+                                    <p:cond delay="0"/>
+                                  </p:stCondLst>
+                                  <p:childTnLst>
+                                    <p:set>
+                                      <p:cBhvr>
+                                        <p:cTn id="34" dur="1" fill="hold">
+                                          <p:stCondLst>
+                                            <p:cond delay="0"/>
+                                          </p:stCondLst>
+                                        </p:cTn>
+                                        <p:tgtEl>
+                                          <p:spTgt spid="4">
+                                            <p:txEl>
+                                              <p:pRg st="8" end="8"/>
+                                            </p:txEl>
+                                          </p:spTgt>
+                                        </p:tgtEl>
+                                        <p:attrNameLst>
+                                          <p:attrName>style.visibility</p:attrName>
+                                        </p:attrNameLst>
+                                      </p:cBhvr>
+                                      <p:to>
+                                        <p:strVal val="visible"/>
+                                      </p:to>
+                                    </p:set>
+                                  </p:childTnLst>
+                                </p:cTn>
+                              </p:par>
+                            </p:childTnLst>
+                          </p:cTn>
+                        </p:par>
+                      </p:childTnLst>
+                    </p:cTn>
+                  </p:par>
+                </p:childTnLst>
+              </p:cTn>
+              <p:prevCondLst>
+                <p:cond evt="onPrev" delay="0">
+                  <p:tgtEl>
+                    <p:sldTgt/>
+                  </p:tgtEl>
+                </p:cond>
+              </p:prevCondLst>
+              <p:nextCondLst>
+                <p:cond evt="onNext" delay="0">
+                  <p:tgtEl>
+                    <p:sldTgt/>
+                  </p:tgtEl>
+                </p:cond>
+              </p:nextCondLst>
+            </p:seq>
+          </p:childTnLst>
+        </p:cTn>
+      </p:par>
+    </p:tnLst>
+    <p:bldLst>
+      <p:bldP spid="4" grpId="0" build="p"/>
+    </p:bldLst>
+  </p:timing>
 </p:sld>
 </file>
 
@@ -3753,7 +4352,13 @@
       </p:grpSpPr>
       <p:sp>
         <p:nvSpPr>
-          <p:cNvPr id="2" name="Title 1"/>
+          <p:cNvPr id="2" name="Title 1">
+            <a:extLst>
+              <a:ext uri="{FF2B5EF4-FFF2-40B4-BE49-F238E27FC236}">
+                <a16:creationId xmlns:a16="http://schemas.microsoft.com/office/drawing/2014/main" id="{18B1F6BD-B982-4F69-8EC7-2C130142E165}"/>
+              </a:ext>
+            </a:extLst>
+          </p:cNvPr>
           <p:cNvSpPr>
             <a:spLocks noGrp="1"/>
           </p:cNvSpPr>
@@ -3769,15 +4374,22 @@
           <a:lstStyle/>
           <a:p>
             <a:r>
-              <a:rPr lang="en-US" dirty="0"/>
-              <a:t>Blockchain for business</a:t>
-            </a:r>
-          </a:p>
-        </p:txBody>
-      </p:sp>
-      <p:sp>
-        <p:nvSpPr>
-          <p:cNvPr id="3" name="Content Placeholder 2"/>
+              <a:rPr lang="zh-CN" altLang="en-US" dirty="0"/>
+              <a:t>食品安全：农产品出厂全过程</a:t>
+            </a:r>
+            <a:endParaRPr lang="en-US" dirty="0"/>
+          </a:p>
+        </p:txBody>
+      </p:sp>
+      <p:sp>
+        <p:nvSpPr>
+          <p:cNvPr id="3" name="Content Placeholder 2">
+            <a:extLst>
+              <a:ext uri="{FF2B5EF4-FFF2-40B4-BE49-F238E27FC236}">
+                <a16:creationId xmlns:a16="http://schemas.microsoft.com/office/drawing/2014/main" id="{F85D9514-D3F9-43CB-A6E6-715A10A59C4D}"/>
+              </a:ext>
+            </a:extLst>
+          </p:cNvPr>
           <p:cNvSpPr>
             <a:spLocks noGrp="1"/>
           </p:cNvSpPr>
@@ -3796,7 +4408,13 @@
       </p:sp>
       <p:sp>
         <p:nvSpPr>
-          <p:cNvPr id="4" name="Content Placeholder 3"/>
+          <p:cNvPr id="4" name="Content Placeholder 3">
+            <a:extLst>
+              <a:ext uri="{FF2B5EF4-FFF2-40B4-BE49-F238E27FC236}">
+                <a16:creationId xmlns:a16="http://schemas.microsoft.com/office/drawing/2014/main" id="{F5602B56-38C0-429F-9FA5-392A34852BBC}"/>
+              </a:ext>
+            </a:extLst>
+          </p:cNvPr>
           <p:cNvSpPr>
             <a:spLocks noGrp="1"/>
           </p:cNvSpPr>
@@ -3815,7 +4433,13 @@
       </p:sp>
       <p:sp>
         <p:nvSpPr>
-          <p:cNvPr id="5" name="Slide Number Placeholder 4"/>
+          <p:cNvPr id="5" name="Slide Number Placeholder 4">
+            <a:extLst>
+              <a:ext uri="{FF2B5EF4-FFF2-40B4-BE49-F238E27FC236}">
+                <a16:creationId xmlns:a16="http://schemas.microsoft.com/office/drawing/2014/main" id="{98A8DC1A-2C53-4DEE-B62C-DA70E49887D9}"/>
+              </a:ext>
+            </a:extLst>
+          </p:cNvPr>
           <p:cNvSpPr>
             <a:spLocks noGrp="1"/>
           </p:cNvSpPr>
@@ -3836,34 +4460,10 @@
           </a:p>
         </p:txBody>
       </p:sp>
-      <p:pic>
-        <p:nvPicPr>
-          <p:cNvPr id="6" name="Picture 5"/>
-          <p:cNvPicPr>
-            <a:picLocks noChangeAspect="1"/>
-          </p:cNvPicPr>
-          <p:nvPr/>
-        </p:nvPicPr>
-        <p:blipFill>
-          <a:blip r:embed="rId2"/>
-          <a:stretch>
-            <a:fillRect/>
-          </a:stretch>
-        </p:blipFill>
-        <p:spPr>
-          <a:xfrm>
-            <a:off x="-2235" y="1107566"/>
-            <a:ext cx="12192000" cy="5221888"/>
-          </a:xfrm>
-          <a:prstGeom prst="rect">
-            <a:avLst/>
-          </a:prstGeom>
-        </p:spPr>
-      </p:pic>
     </p:spTree>
     <p:extLst>
       <p:ext uri="{BB962C8B-B14F-4D97-AF65-F5344CB8AC3E}">
-        <p14:creationId xmlns:p14="http://schemas.microsoft.com/office/powerpoint/2010/main" val="1467558685"/>
+        <p14:creationId xmlns:p14="http://schemas.microsoft.com/office/powerpoint/2010/main" val="4100073520"/>
       </p:ext>
     </p:extLst>
   </p:cSld>
@@ -3892,161 +4492,13 @@
       </p:grpSpPr>
       <p:sp>
         <p:nvSpPr>
-          <p:cNvPr id="2" name="Title 1"/>
-          <p:cNvSpPr>
-            <a:spLocks noGrp="1"/>
-          </p:cNvSpPr>
-          <p:nvPr>
-            <p:ph type="title"/>
-          </p:nvPr>
-        </p:nvSpPr>
-        <p:spPr/>
-        <p:txBody>
-          <a:bodyPr>
-            <a:normAutofit fontScale="90000"/>
-          </a:bodyPr>
-          <a:lstStyle/>
-          <a:p>
-            <a:r>
-              <a:rPr lang="en-US" b="0" dirty="0"/>
-              <a:t>Shared ledger &amp; Smart Contract</a:t>
-            </a:r>
-            <a:endParaRPr lang="en-US" dirty="0"/>
-          </a:p>
-        </p:txBody>
-      </p:sp>
-      <p:sp>
-        <p:nvSpPr>
-          <p:cNvPr id="3" name="Content Placeholder 2"/>
-          <p:cNvSpPr>
-            <a:spLocks noGrp="1"/>
-          </p:cNvSpPr>
-          <p:nvPr>
-            <p:ph sz="half" idx="1"/>
-          </p:nvPr>
-        </p:nvSpPr>
-        <p:spPr/>
-        <p:txBody>
-          <a:bodyPr/>
-          <a:lstStyle/>
-          <a:p>
-            <a:r>
-              <a:rPr lang="en-US" dirty="0"/>
-              <a:t>Shared ledger</a:t>
-            </a:r>
-          </a:p>
-          <a:p>
-            <a:pPr lvl="1"/>
-            <a:r>
-              <a:rPr lang="en-US" dirty="0"/>
-              <a:t>Shared between participants</a:t>
-            </a:r>
-          </a:p>
-          <a:p>
-            <a:pPr lvl="1"/>
-            <a:r>
-              <a:rPr lang="en-US" dirty="0"/>
-              <a:t>Participants have own copy through replication</a:t>
-            </a:r>
-          </a:p>
-          <a:p>
-            <a:pPr lvl="1"/>
-            <a:r>
-              <a:rPr lang="en-US" dirty="0"/>
-              <a:t>Permissioned, so participants see only appropriate transactions</a:t>
-            </a:r>
-          </a:p>
-          <a:p>
-            <a:pPr lvl="1"/>
-            <a:r>
-              <a:rPr lang="en-US" dirty="0"/>
-              <a:t>THE shared system of record</a:t>
-            </a:r>
-          </a:p>
-          <a:p>
-            <a:r>
-              <a:rPr lang="en-US" dirty="0">
-                <a:solidFill>
-                  <a:srgbClr val="4178BF"/>
-                </a:solidFill>
-                <a:latin typeface="Arial" panose="020B0604020202020204" pitchFamily="34" charset="0"/>
-              </a:rPr>
-              <a:t>Records all transactions across business network</a:t>
-            </a:r>
-            <a:endParaRPr lang="en-US" dirty="0"/>
-          </a:p>
-          <a:p>
-            <a:endParaRPr lang="en-US" dirty="0"/>
-          </a:p>
-        </p:txBody>
-      </p:sp>
-      <p:sp>
-        <p:nvSpPr>
-          <p:cNvPr id="4" name="Content Placeholder 3"/>
-          <p:cNvSpPr>
-            <a:spLocks noGrp="1"/>
-          </p:cNvSpPr>
-          <p:nvPr>
-            <p:ph sz="half" idx="2"/>
-          </p:nvPr>
-        </p:nvSpPr>
-        <p:spPr>
-          <a:solidFill>
-            <a:schemeClr val="bg1"/>
-          </a:solidFill>
-        </p:spPr>
-        <p:txBody>
-          <a:bodyPr/>
-          <a:lstStyle/>
-          <a:p>
-            <a:r>
-              <a:rPr lang="en-US" dirty="0"/>
-              <a:t>Smart Contract</a:t>
-            </a:r>
-          </a:p>
-          <a:p>
-            <a:pPr lvl="1"/>
-            <a:r>
-              <a:rPr lang="en-US" dirty="0"/>
-              <a:t>Verifiable, signed</a:t>
-            </a:r>
-          </a:p>
-          <a:p>
-            <a:pPr lvl="1"/>
-            <a:r>
-              <a:rPr lang="en-US" dirty="0"/>
-              <a:t>Encoded in programming language</a:t>
-            </a:r>
-          </a:p>
-          <a:p>
-            <a:pPr lvl="1"/>
-            <a:r>
-              <a:rPr lang="en-US" dirty="0"/>
-              <a:t>Example:</a:t>
-            </a:r>
-          </a:p>
-          <a:p>
-            <a:pPr lvl="2"/>
-            <a:r>
-              <a:rPr lang="en-US" dirty="0"/>
-              <a:t>Defines contractual conditions under which corporate Bond transfer occurs</a:t>
-            </a:r>
-          </a:p>
-          <a:p>
-            <a:r>
-              <a:rPr lang="en-US" dirty="0">
-                <a:solidFill>
-                  <a:srgbClr val="C00000"/>
-                </a:solidFill>
-              </a:rPr>
-              <a:t>Business rules implied by the contract … embedded in the Blockchain and executed with the transaction</a:t>
-            </a:r>
-          </a:p>
-        </p:txBody>
-      </p:sp>
-      <p:sp>
-        <p:nvSpPr>
-          <p:cNvPr id="5" name="Slide Number Placeholder 4"/>
+          <p:cNvPr id="5" name="Slide Number Placeholder 4">
+            <a:extLst>
+              <a:ext uri="{FF2B5EF4-FFF2-40B4-BE49-F238E27FC236}">
+                <a16:creationId xmlns:a16="http://schemas.microsoft.com/office/drawing/2014/main" id="{0D3B7593-480A-4A95-948B-B225FA923859}"/>
+              </a:ext>
+            </a:extLst>
+          </p:cNvPr>
           <p:cNvSpPr>
             <a:spLocks noGrp="1"/>
           </p:cNvSpPr>
@@ -4067,10 +4519,112 @@
           </a:p>
         </p:txBody>
       </p:sp>
+      <p:pic>
+        <p:nvPicPr>
+          <p:cNvPr id="1026" name="Picture 2" descr="http://mmbiz.qpic.cn/mmbiz_jpg/ZicfEblzAUZCVtiaJ8cfH8THEoKSlYw3U0icS3f6qWv1CWT7TluyhBZFU5Cq2yb4SnGGibCxw1HSfx64MQsQAKKiabA/0?wx_fmt=jpeg?0.8609523860491302">
+            <a:extLst>
+              <a:ext uri="{FF2B5EF4-FFF2-40B4-BE49-F238E27FC236}">
+                <a16:creationId xmlns:a16="http://schemas.microsoft.com/office/drawing/2014/main" id="{B923DE7D-1807-4E25-955A-1E9AD7CCE7F0}"/>
+              </a:ext>
+            </a:extLst>
+          </p:cNvPr>
+          <p:cNvPicPr>
+            <a:picLocks noChangeAspect="1" noChangeArrowheads="1"/>
+          </p:cNvPicPr>
+          <p:nvPr/>
+        </p:nvPicPr>
+        <p:blipFill>
+          <a:blip r:embed="rId2">
+            <a:extLst>
+              <a:ext uri="{28A0092B-C50C-407E-A947-70E740481C1C}">
+                <a14:useLocalDpi xmlns:a14="http://schemas.microsoft.com/office/drawing/2010/main" val="0"/>
+              </a:ext>
+            </a:extLst>
+          </a:blip>
+          <a:srcRect/>
+          <a:stretch>
+            <a:fillRect/>
+          </a:stretch>
+        </p:blipFill>
+        <p:spPr bwMode="auto">
+          <a:xfrm>
+            <a:off x="2046669" y="19016"/>
+            <a:ext cx="10122674" cy="6832806"/>
+          </a:xfrm>
+          <a:prstGeom prst="rect">
+            <a:avLst/>
+          </a:prstGeom>
+          <a:noFill/>
+          <a:extLst>
+            <a:ext uri="{909E8E84-426E-40DD-AFC4-6F175D3DCCD1}">
+              <a14:hiddenFill xmlns:a14="http://schemas.microsoft.com/office/drawing/2010/main">
+                <a:solidFill>
+                  <a:srgbClr val="FFFFFF"/>
+                </a:solidFill>
+              </a14:hiddenFill>
+            </a:ext>
+          </a:extLst>
+        </p:spPr>
+      </p:pic>
+      <p:sp>
+        <p:nvSpPr>
+          <p:cNvPr id="6" name="Title 1">
+            <a:extLst>
+              <a:ext uri="{FF2B5EF4-FFF2-40B4-BE49-F238E27FC236}">
+                <a16:creationId xmlns:a16="http://schemas.microsoft.com/office/drawing/2014/main" id="{C0E86F1D-E3D9-45E8-AE22-3CB796303458}"/>
+              </a:ext>
+            </a:extLst>
+          </p:cNvPr>
+          <p:cNvSpPr txBox="1">
+            <a:spLocks/>
+          </p:cNvSpPr>
+          <p:nvPr/>
+        </p:nvSpPr>
+        <p:spPr>
+          <a:xfrm>
+            <a:off x="294462" y="365125"/>
+            <a:ext cx="11671396" cy="618101"/>
+          </a:xfrm>
+          <a:prstGeom prst="rect">
+            <a:avLst/>
+          </a:prstGeom>
+        </p:spPr>
+        <p:txBody>
+          <a:bodyPr vert="horz" lIns="91440" tIns="45720" rIns="91440" bIns="45720" rtlCol="0" anchor="ctr">
+            <a:normAutofit fontScale="90000" lnSpcReduction="10000"/>
+          </a:bodyPr>
+          <a:lstStyle>
+            <a:lvl1pPr algn="l" defTabSz="914400" rtl="0" eaLnBrk="1" latinLnBrk="0" hangingPunct="1">
+              <a:lnSpc>
+                <a:spcPct val="90000"/>
+              </a:lnSpc>
+              <a:spcBef>
+                <a:spcPct val="0"/>
+              </a:spcBef>
+              <a:buNone/>
+              <a:defRPr sz="4400" b="1" kern="1200" baseline="0">
+                <a:solidFill>
+                  <a:srgbClr val="C00000"/>
+                </a:solidFill>
+                <a:latin typeface="+mj-lt"/>
+                <a:ea typeface="+mj-ea"/>
+                <a:cs typeface="+mj-cs"/>
+              </a:defRPr>
+            </a:lvl1pPr>
+          </a:lstStyle>
+          <a:p>
+            <a:r>
+              <a:rPr lang="zh-CN" altLang="en-US" dirty="0"/>
+              <a:t>食品安全：农产品出厂全过程</a:t>
+            </a:r>
+            <a:endParaRPr lang="en-US" dirty="0"/>
+          </a:p>
+        </p:txBody>
+      </p:sp>
     </p:spTree>
     <p:extLst>
       <p:ext uri="{BB962C8B-B14F-4D97-AF65-F5344CB8AC3E}">
-        <p14:creationId xmlns:p14="http://schemas.microsoft.com/office/powerpoint/2010/main" val="3026103004"/>
+        <p14:creationId xmlns:p14="http://schemas.microsoft.com/office/powerpoint/2010/main" val="2210258608"/>
       </p:ext>
     </p:extLst>
   </p:cSld>
@@ -4099,7 +4653,13 @@
       </p:grpSpPr>
       <p:sp>
         <p:nvSpPr>
-          <p:cNvPr id="2" name="Title 1"/>
+          <p:cNvPr id="2" name="Title 1">
+            <a:extLst>
+              <a:ext uri="{FF2B5EF4-FFF2-40B4-BE49-F238E27FC236}">
+                <a16:creationId xmlns:a16="http://schemas.microsoft.com/office/drawing/2014/main" id="{CF602DB9-E455-4DE9-920E-CA041E706741}"/>
+              </a:ext>
+            </a:extLst>
+          </p:cNvPr>
           <p:cNvSpPr>
             <a:spLocks noGrp="1"/>
           </p:cNvSpPr>
@@ -4114,16 +4674,19 @@
           </a:bodyPr>
           <a:lstStyle/>
           <a:p>
-            <a:r>
-              <a:rPr lang="en-US" dirty="0"/>
-              <a:t>Privacy &amp; Trust</a:t>
-            </a:r>
-          </a:p>
-        </p:txBody>
-      </p:sp>
-      <p:sp>
-        <p:nvSpPr>
-          <p:cNvPr id="3" name="Content Placeholder 2"/>
+            <a:endParaRPr lang="en-US"/>
+          </a:p>
+        </p:txBody>
+      </p:sp>
+      <p:sp>
+        <p:nvSpPr>
+          <p:cNvPr id="3" name="Content Placeholder 2">
+            <a:extLst>
+              <a:ext uri="{FF2B5EF4-FFF2-40B4-BE49-F238E27FC236}">
+                <a16:creationId xmlns:a16="http://schemas.microsoft.com/office/drawing/2014/main" id="{6F3BCF77-E765-45BA-81FF-D681DC0E6300}"/>
+              </a:ext>
+            </a:extLst>
+          </p:cNvPr>
           <p:cNvSpPr>
             <a:spLocks noGrp="1"/>
           </p:cNvSpPr>
@@ -4136,64 +4699,19 @@
           <a:bodyPr/>
           <a:lstStyle/>
           <a:p>
-            <a:r>
-              <a:rPr lang="en-US" dirty="0"/>
-              <a:t>Privacy</a:t>
-            </a:r>
-          </a:p>
-          <a:p>
-            <a:pPr lvl="1"/>
-            <a:r>
-              <a:rPr lang="en-US" dirty="0"/>
-              <a:t>Participants need:</a:t>
-            </a:r>
-          </a:p>
-          <a:p>
-            <a:pPr lvl="2"/>
-            <a:r>
-              <a:rPr lang="en-US" dirty="0"/>
-              <a:t>Appropriate confidentiality between subsets of participants</a:t>
-            </a:r>
-          </a:p>
-          <a:p>
-            <a:pPr lvl="2"/>
-            <a:r>
-              <a:rPr lang="en-US" dirty="0"/>
-              <a:t>Identity not linked to a transaction</a:t>
-            </a:r>
-          </a:p>
-          <a:p>
-            <a:pPr lvl="1"/>
-            <a:r>
-              <a:rPr lang="en-US" dirty="0"/>
-              <a:t>Transactions need to be authenticated</a:t>
-            </a:r>
-          </a:p>
-          <a:p>
-            <a:pPr lvl="1"/>
-            <a:r>
-              <a:rPr lang="en-US" dirty="0"/>
-              <a:t>Cryptography central to these processes</a:t>
-            </a:r>
-          </a:p>
-          <a:p>
-            <a:r>
-              <a:rPr lang="en-US" dirty="0">
-                <a:solidFill>
-                  <a:schemeClr val="accent2"/>
-                </a:solidFill>
-              </a:rPr>
-              <a:t>The ledger is shared, but participants require privacy</a:t>
-            </a:r>
-          </a:p>
-          <a:p>
-            <a:endParaRPr lang="en-US" dirty="0"/>
-          </a:p>
-        </p:txBody>
-      </p:sp>
-      <p:sp>
-        <p:nvSpPr>
-          <p:cNvPr id="4" name="Content Placeholder 3"/>
+            <a:endParaRPr lang="en-US"/>
+          </a:p>
+        </p:txBody>
+      </p:sp>
+      <p:sp>
+        <p:nvSpPr>
+          <p:cNvPr id="4" name="Content Placeholder 3">
+            <a:extLst>
+              <a:ext uri="{FF2B5EF4-FFF2-40B4-BE49-F238E27FC236}">
+                <a16:creationId xmlns:a16="http://schemas.microsoft.com/office/drawing/2014/main" id="{876B522C-F214-455B-BD15-EC3A56953AD4}"/>
+              </a:ext>
+            </a:extLst>
+          </p:cNvPr>
           <p:cNvSpPr>
             <a:spLocks noGrp="1"/>
           </p:cNvSpPr>
@@ -4206,69 +4724,19 @@
           <a:bodyPr/>
           <a:lstStyle/>
           <a:p>
-            <a:r>
-              <a:rPr lang="en-US" dirty="0"/>
-              <a:t>Trust</a:t>
-            </a:r>
-          </a:p>
-          <a:p>
-            <a:pPr lvl="1"/>
-            <a:r>
-              <a:rPr lang="en-US" dirty="0"/>
-              <a:t>Participants </a:t>
-            </a:r>
-            <a:r>
-              <a:rPr lang="en-US" b="1" dirty="0"/>
-              <a:t>endorse </a:t>
-            </a:r>
-            <a:r>
-              <a:rPr lang="en-US" dirty="0"/>
-              <a:t>transactions</a:t>
-            </a:r>
-          </a:p>
-          <a:p>
-            <a:pPr lvl="2"/>
-            <a:r>
-              <a:rPr lang="en-US" dirty="0"/>
-              <a:t>Business network decides who will endorse transactions</a:t>
-            </a:r>
-          </a:p>
-          <a:p>
-            <a:pPr lvl="2"/>
-            <a:r>
-              <a:rPr lang="en-US" dirty="0"/>
-              <a:t>Endorsed transactions are added to the ledger with appropriate confidentiality</a:t>
-            </a:r>
-          </a:p>
-          <a:p>
-            <a:pPr lvl="1"/>
-            <a:r>
-              <a:rPr lang="en-US" dirty="0"/>
-              <a:t>Assets have a verifiable audit trail</a:t>
-            </a:r>
-          </a:p>
-          <a:p>
-            <a:pPr lvl="2"/>
-            <a:r>
-              <a:rPr lang="en-US" dirty="0"/>
-              <a:t>Transactions cannot be modified, inserted or deleted</a:t>
-            </a:r>
-          </a:p>
-          <a:p>
-            <a:r>
-              <a:rPr lang="en-US" dirty="0">
-                <a:solidFill>
-                  <a:srgbClr val="00B050"/>
-                </a:solidFill>
-              </a:rPr>
-              <a:t>The ledger is a trusted source of information</a:t>
-            </a:r>
-          </a:p>
-        </p:txBody>
-      </p:sp>
-      <p:sp>
-        <p:nvSpPr>
-          <p:cNvPr id="5" name="Slide Number Placeholder 4"/>
+            <a:endParaRPr lang="en-US"/>
+          </a:p>
+        </p:txBody>
+      </p:sp>
+      <p:sp>
+        <p:nvSpPr>
+          <p:cNvPr id="5" name="Slide Number Placeholder 4">
+            <a:extLst>
+              <a:ext uri="{FF2B5EF4-FFF2-40B4-BE49-F238E27FC236}">
+                <a16:creationId xmlns:a16="http://schemas.microsoft.com/office/drawing/2014/main" id="{634E5372-864C-44E7-B624-1942B17A6A27}"/>
+              </a:ext>
+            </a:extLst>
+          </p:cNvPr>
           <p:cNvSpPr>
             <a:spLocks noGrp="1"/>
           </p:cNvSpPr>
@@ -4292,7 +4760,7 @@
     </p:spTree>
     <p:extLst>
       <p:ext uri="{BB962C8B-B14F-4D97-AF65-F5344CB8AC3E}">
-        <p14:creationId xmlns:p14="http://schemas.microsoft.com/office/powerpoint/2010/main" val="2722326712"/>
+        <p14:creationId xmlns:p14="http://schemas.microsoft.com/office/powerpoint/2010/main" val="3545804996"/>
       </p:ext>
     </p:extLst>
   </p:cSld>
